--- a/paper/AAAI 2021/MDFN.pptx
+++ b/paper/AAAI 2021/MDFN.pptx
@@ -266,7 +266,7 @@
           <a:p>
             <a:fld id="{A3661A17-B369-40A6-BAD3-08D18F542D5C}" type="datetimeFigureOut">
               <a:rPr lang="ko-KR" altLang="en-US" smtClean="0"/>
-              <a:t>2020-12-29</a:t>
+              <a:t>2020-12-31</a:t>
             </a:fld>
             <a:endParaRPr lang="ko-KR" altLang="en-US"/>
           </a:p>
@@ -11814,7 +11814,7 @@
             </a:r>
             <a:r>
               <a:rPr lang="en-US" altLang="ko-KR" dirty="0"/>
-              <a:t>distant texts</a:t>
+              <a:t>distant texts, inherency</a:t>
             </a:r>
           </a:p>
           <a:p>
@@ -11859,6 +11859,11 @@
               <a:rPr lang="en-US" altLang="ko-KR" dirty="0"/>
               <a:t>= dialogue-level) = noisy distant texts</a:t>
             </a:r>
+            <a:r>
+              <a:rPr lang="en-US" altLang="ko-KR"/>
+              <a:t>, inherency</a:t>
+            </a:r>
+            <a:endParaRPr lang="en-US" altLang="ko-KR" dirty="0"/>
           </a:p>
           <a:p>
             <a:pPr lvl="2"/>
